--- a/docs/ETU DIT #4.pptx
+++ b/docs/ETU DIT #4.pptx
@@ -17,6 +17,7 @@
     <p:sldId id="263" r:id="rId12"/>
     <p:sldId id="264" r:id="rId13"/>
     <p:sldId id="265" r:id="rId14"/>
+    <p:sldId id="266" r:id="rId15"/>
   </p:sldIdLst>
   <p:sldSz cx="11998325" cy="7559675"/>
   <p:notesSz cx="7559675" cy="10691812"/>
@@ -4906,7 +4907,7 @@
         <p:spPr>
           <a:xfrm>
             <a:off x="548640" y="301320"/>
-            <a:ext cx="10797120" cy="4452120"/>
+            <a:ext cx="10796760" cy="4451760"/>
           </a:xfrm>
           <a:prstGeom prst="rect">
             <a:avLst/>
@@ -4957,7 +4958,7 @@
         <p:spPr>
           <a:xfrm>
             <a:off x="552960" y="5216400"/>
-            <a:ext cx="10788480" cy="1548720"/>
+            <a:ext cx="10788120" cy="1548360"/>
           </a:xfrm>
           <a:prstGeom prst="rect">
             <a:avLst/>
@@ -5011,7 +5012,7 @@
                 <a:latin typeface="Source Sans Pro"/>
                 <a:ea typeface="DejaVu Sans"/>
               </a:rPr>
-              <a:t>Пешехонов К. А., 20.10.2020</a:t>
+              <a:t>Пешехонов К. А., 21.10.2020</a:t>
             </a:r>
             <a:endParaRPr b="0" lang="ru-RU" sz="3600" spc="-1" strike="noStrike">
               <a:latin typeface="Arial"/>
@@ -5057,8 +5058,236 @@
         </p:nvSpPr>
         <p:spPr>
           <a:xfrm>
+            <a:off x="599040" y="121320"/>
+            <a:ext cx="10796760" cy="1260360"/>
+          </a:xfrm>
+          <a:prstGeom prst="rect">
+            <a:avLst/>
+          </a:prstGeom>
+          <a:noFill/>
+          <a:ln>
+            <a:noFill/>
+          </a:ln>
+        </p:spPr>
+        <p:style>
+          <a:lnRef idx="0"/>
+          <a:fillRef idx="0"/>
+          <a:effectRef idx="0"/>
+          <a:fontRef idx="minor"/>
+        </p:style>
+        <p:txBody>
+          <a:bodyPr lIns="0" rIns="0" tIns="0" bIns="0" anchor="b">
+            <a:normAutofit/>
+          </a:bodyPr>
+          <a:p>
+            <a:pPr>
+              <a:lnSpc>
+                <a:spcPct val="100000"/>
+              </a:lnSpc>
+            </a:pPr>
+            <a:r>
+              <a:rPr b="0" lang="ru-RU" sz="6000" spc="-1" strike="noStrike">
+                <a:solidFill>
+                  <a:srgbClr val="ffffff"/>
+                </a:solidFill>
+                <a:latin typeface="Source Sans Pro Light"/>
+                <a:ea typeface="DejaVu Sans"/>
+              </a:rPr>
+              <a:t>Docker — лаб. работа #1</a:t>
+            </a:r>
+            <a:endParaRPr b="0" lang="ru-RU" sz="6000" spc="-1" strike="noStrike">
+              <a:latin typeface="Arial"/>
+            </a:endParaRPr>
+          </a:p>
+        </p:txBody>
+      </p:sp>
+      <p:sp>
+        <p:nvSpPr>
+          <p:cNvPr id="134" name="CustomShape 2"/>
+          <p:cNvSpPr/>
+          <p:nvPr/>
+        </p:nvSpPr>
+        <p:spPr>
+          <a:xfrm>
+            <a:off x="599040" y="1920240"/>
+            <a:ext cx="10737720" cy="4661640"/>
+          </a:xfrm>
+          <a:prstGeom prst="rect">
+            <a:avLst/>
+          </a:prstGeom>
+          <a:noFill/>
+          <a:ln>
+            <a:noFill/>
+          </a:ln>
+        </p:spPr>
+        <p:style>
+          <a:lnRef idx="0"/>
+          <a:fillRef idx="0"/>
+          <a:effectRef idx="0"/>
+          <a:fontRef idx="minor"/>
+        </p:style>
+        <p:txBody>
+          <a:bodyPr lIns="0" rIns="0" tIns="0" bIns="0">
+            <a:normAutofit fontScale="73000"/>
+          </a:bodyPr>
+          <a:p>
+            <a:pPr marL="432000" indent="-322200">
+              <a:lnSpc>
+                <a:spcPct val="100000"/>
+              </a:lnSpc>
+              <a:spcAft>
+                <a:spcPts val="1409"/>
+              </a:spcAft>
+              <a:buClr>
+                <a:srgbClr val="04617b"/>
+              </a:buClr>
+              <a:buSzPct val="45000"/>
+              <a:buFont typeface="Wingdings" charset="2"/>
+              <a:buChar char=""/>
+            </a:pPr>
+            <a:r>
+              <a:rPr b="0" lang="ru-RU" sz="3200" spc="-1" strike="noStrike">
+                <a:solidFill>
+                  <a:srgbClr val="000000"/>
+                </a:solidFill>
+                <a:latin typeface="Source Sans Pro"/>
+                <a:ea typeface="DejaVu Sans"/>
+              </a:rPr>
+              <a:t>На основании домашнего задания #2 (SQL) настроить запуск всего приложения в Docker</a:t>
+            </a:r>
+            <a:endParaRPr b="0" lang="ru-RU" sz="3200" spc="-1" strike="noStrike">
+              <a:latin typeface="Arial"/>
+            </a:endParaRPr>
+          </a:p>
+          <a:p>
+            <a:pPr marL="432000" indent="-322200">
+              <a:lnSpc>
+                <a:spcPct val="100000"/>
+              </a:lnSpc>
+              <a:spcAft>
+                <a:spcPts val="1409"/>
+              </a:spcAft>
+              <a:buClr>
+                <a:srgbClr val="04617b"/>
+              </a:buClr>
+              <a:buSzPct val="45000"/>
+              <a:buFont typeface="Wingdings" charset="2"/>
+              <a:buChar char=""/>
+            </a:pPr>
+            <a:r>
+              <a:rPr b="0" lang="ru-RU" sz="3200" spc="-1" strike="noStrike">
+                <a:solidFill>
+                  <a:srgbClr val="000000"/>
+                </a:solidFill>
+                <a:latin typeface="Source Sans Pro"/>
+                <a:ea typeface="DejaVu Sans"/>
+              </a:rPr>
+              <a:t>В существующий docker-compose файл дописать часть, запускающую WebApplication.EFCore как Docker контейнер</a:t>
+            </a:r>
+            <a:endParaRPr b="0" lang="ru-RU" sz="3200" spc="-1" strike="noStrike">
+              <a:latin typeface="Arial"/>
+            </a:endParaRPr>
+          </a:p>
+          <a:p>
+            <a:pPr marL="432000" indent="-322200">
+              <a:lnSpc>
+                <a:spcPct val="100000"/>
+              </a:lnSpc>
+              <a:spcAft>
+                <a:spcPts val="1409"/>
+              </a:spcAft>
+              <a:buClr>
+                <a:srgbClr val="04617b"/>
+              </a:buClr>
+              <a:buSzPct val="45000"/>
+              <a:buFont typeface="Wingdings" charset="2"/>
+              <a:buChar char=""/>
+            </a:pPr>
+            <a:r>
+              <a:rPr b="0" lang="ru-RU" sz="3200" spc="-1" strike="noStrike">
+                <a:solidFill>
+                  <a:srgbClr val="000000"/>
+                </a:solidFill>
+                <a:latin typeface="Source Sans Pro"/>
+                <a:ea typeface="DejaVu Sans"/>
+              </a:rPr>
+              <a:t>В случае сложностей с добавлением двух проектов в один docker образ — можно соединить оба проекта в один</a:t>
+            </a:r>
+            <a:endParaRPr b="0" lang="ru-RU" sz="3200" spc="-1" strike="noStrike">
+              <a:latin typeface="Arial"/>
+            </a:endParaRPr>
+          </a:p>
+          <a:p>
+            <a:pPr marL="432000" indent="-322200">
+              <a:lnSpc>
+                <a:spcPct val="100000"/>
+              </a:lnSpc>
+              <a:spcAft>
+                <a:spcPts val="1409"/>
+              </a:spcAft>
+              <a:buClr>
+                <a:srgbClr val="04617b"/>
+              </a:buClr>
+              <a:buSzPct val="45000"/>
+              <a:buFont typeface="Wingdings" charset="2"/>
+              <a:buChar char=""/>
+            </a:pPr>
+            <a:r>
+              <a:rPr b="0" lang="ru-RU" sz="3200" spc="-1" strike="noStrike">
+                <a:solidFill>
+                  <a:srgbClr val="000000"/>
+                </a:solidFill>
+                <a:latin typeface="Source Sans Pro"/>
+                <a:ea typeface="DejaVu Sans"/>
+              </a:rPr>
+              <a:t>О результатах пишите, пожалуйста, на kapeshekhonov@etu.ru</a:t>
+            </a:r>
+            <a:endParaRPr b="0" lang="ru-RU" sz="3200" spc="-1" strike="noStrike">
+              <a:latin typeface="Arial"/>
+            </a:endParaRPr>
+          </a:p>
+        </p:txBody>
+      </p:sp>
+    </p:spTree>
+  </p:cSld>
+  <mc:AlternateContent>
+    <mc:Choice Requires="p14">
+      <p:transition spd="slow" p14:dur="2000"/>
+    </mc:Choice>
+    <mc:Fallback>
+      <p:transition spd="slow"/>
+    </mc:Fallback>
+  </mc:AlternateContent>
+</p:sld>
+</file>
+
+<file path=ppt/slides/slide11.xml><?xml version="1.0" encoding="utf-8"?>
+<p:sld xmlns:a="http://schemas.openxmlformats.org/drawingml/2006/main" xmlns:p="http://schemas.openxmlformats.org/presentationml/2006/main" xmlns:r="http://schemas.openxmlformats.org/officeDocument/2006/relationships" xmlns:p14="http://schemas.microsoft.com/office/powerpoint/2010/main" xmlns:p15="http://schemas.microsoft.com/office/powerpoint/2012/main" xmlns:mc="http://schemas.openxmlformats.org/markup-compatibility/2006">
+  <p:cSld>
+    <p:spTree>
+      <p:nvGrpSpPr>
+        <p:cNvPr id="1" name=""/>
+        <p:cNvGrpSpPr/>
+        <p:nvPr/>
+      </p:nvGrpSpPr>
+      <p:grpSpPr>
+        <a:xfrm>
+          <a:off x="0" y="0"/>
+          <a:ext cx="0" cy="0"/>
+          <a:chOff x="0" y="0"/>
+          <a:chExt cx="0" cy="0"/>
+        </a:xfrm>
+      </p:grpSpPr>
+      <p:sp>
+        <p:nvSpPr>
+          <p:cNvPr id="135" name="CustomShape 1"/>
+          <p:cNvSpPr/>
+          <p:nvPr/>
+        </p:nvSpPr>
+        <p:spPr>
+          <a:xfrm>
             <a:off x="599040" y="841320"/>
-            <a:ext cx="10797120" cy="5850360"/>
+            <a:ext cx="10796760" cy="5850000"/>
           </a:xfrm>
           <a:prstGeom prst="rect">
             <a:avLst/>
@@ -5139,7 +5368,7 @@
         <p:spPr>
           <a:xfrm>
             <a:off x="599040" y="121320"/>
-            <a:ext cx="10797120" cy="1260720"/>
+            <a:ext cx="10796760" cy="1260360"/>
           </a:xfrm>
           <a:prstGeom prst="rect">
             <a:avLst/>
@@ -5194,7 +5423,7 @@
         <p:spPr>
           <a:xfrm>
             <a:off x="4968000" y="3096000"/>
-            <a:ext cx="6339240" cy="3999240"/>
+            <a:ext cx="6338880" cy="3998880"/>
           </a:xfrm>
           <a:prstGeom prst="rect">
             <a:avLst/>
@@ -5213,7 +5442,7 @@
         <p:spPr>
           <a:xfrm>
             <a:off x="599040" y="1920240"/>
-            <a:ext cx="10738080" cy="3335760"/>
+            <a:ext cx="10737720" cy="3335400"/>
           </a:xfrm>
           <a:prstGeom prst="rect">
             <a:avLst/>
@@ -5234,7 +5463,7 @@
             <a:normAutofit fontScale="63000"/>
           </a:bodyPr>
           <a:p>
-            <a:pPr marL="432000" indent="-322560">
+            <a:pPr marL="432000" indent="-322200">
               <a:lnSpc>
                 <a:spcPct val="100000"/>
               </a:lnSpc>
@@ -5263,7 +5492,7 @@
             </a:endParaRPr>
           </a:p>
           <a:p>
-            <a:pPr marL="432000" indent="-322560">
+            <a:pPr marL="432000" indent="-322200">
               <a:lnSpc>
                 <a:spcPct val="100000"/>
               </a:lnSpc>
@@ -5292,7 +5521,7 @@
             </a:endParaRPr>
           </a:p>
           <a:p>
-            <a:pPr marL="432000" indent="-322560">
+            <a:pPr marL="432000" indent="-322200">
               <a:lnSpc>
                 <a:spcPct val="100000"/>
               </a:lnSpc>
@@ -5321,7 +5550,7 @@
             </a:endParaRPr>
           </a:p>
           <a:p>
-            <a:pPr marL="432000" indent="-322560">
+            <a:pPr marL="432000" indent="-322200">
               <a:lnSpc>
                 <a:spcPct val="100000"/>
               </a:lnSpc>
@@ -5350,7 +5579,7 @@
             </a:endParaRPr>
           </a:p>
           <a:p>
-            <a:pPr marL="432000" indent="-322560">
+            <a:pPr marL="432000" indent="-322200">
               <a:lnSpc>
                 <a:spcPct val="100000"/>
               </a:lnSpc>
@@ -5379,7 +5608,7 @@
             </a:endParaRPr>
           </a:p>
           <a:p>
-            <a:pPr marL="432000" indent="-322560">
+            <a:pPr marL="432000" indent="-322200">
               <a:lnSpc>
                 <a:spcPct val="100000"/>
               </a:lnSpc>
@@ -5448,7 +5677,7 @@
         <p:spPr>
           <a:xfrm>
             <a:off x="599040" y="121320"/>
-            <a:ext cx="10797120" cy="1260720"/>
+            <a:ext cx="10796760" cy="1260360"/>
           </a:xfrm>
           <a:prstGeom prst="rect">
             <a:avLst/>
@@ -5503,7 +5732,7 @@
         <p:spPr>
           <a:xfrm>
             <a:off x="1683360" y="1734120"/>
-            <a:ext cx="8468640" cy="5393880"/>
+            <a:ext cx="8468280" cy="5393520"/>
           </a:xfrm>
           <a:prstGeom prst="rect">
             <a:avLst/>
@@ -5552,7 +5781,7 @@
         <p:spPr>
           <a:xfrm>
             <a:off x="599040" y="121320"/>
-            <a:ext cx="10797120" cy="1260720"/>
+            <a:ext cx="10796760" cy="1260360"/>
           </a:xfrm>
           <a:prstGeom prst="rect">
             <a:avLst/>
@@ -5603,7 +5832,7 @@
         <p:spPr>
           <a:xfrm>
             <a:off x="599040" y="1920240"/>
-            <a:ext cx="10738080" cy="4662000"/>
+            <a:ext cx="10737720" cy="4661640"/>
           </a:xfrm>
           <a:prstGeom prst="rect">
             <a:avLst/>
@@ -5624,7 +5853,7 @@
             <a:normAutofit fontScale="77000"/>
           </a:bodyPr>
           <a:p>
-            <a:pPr marL="432000" indent="-322560">
+            <a:pPr marL="432000" indent="-322200">
               <a:lnSpc>
                 <a:spcPct val="100000"/>
               </a:lnSpc>
@@ -5653,7 +5882,7 @@
             </a:endParaRPr>
           </a:p>
           <a:p>
-            <a:pPr marL="432000" indent="-322560">
+            <a:pPr marL="432000" indent="-322200">
               <a:lnSpc>
                 <a:spcPct val="100000"/>
               </a:lnSpc>
@@ -5682,7 +5911,7 @@
             </a:endParaRPr>
           </a:p>
           <a:p>
-            <a:pPr marL="432000" indent="-322560">
+            <a:pPr marL="432000" indent="-322200">
               <a:lnSpc>
                 <a:spcPct val="100000"/>
               </a:lnSpc>
@@ -5711,7 +5940,7 @@
             </a:endParaRPr>
           </a:p>
           <a:p>
-            <a:pPr marL="432000" indent="-322560">
+            <a:pPr marL="432000" indent="-322200">
               <a:lnSpc>
                 <a:spcPct val="100000"/>
               </a:lnSpc>
@@ -5740,7 +5969,7 @@
             </a:endParaRPr>
           </a:p>
           <a:p>
-            <a:pPr marL="432000" indent="-322560">
+            <a:pPr marL="432000" indent="-322200">
               <a:lnSpc>
                 <a:spcPct val="100000"/>
               </a:lnSpc>
@@ -5769,7 +5998,7 @@
             </a:endParaRPr>
           </a:p>
           <a:p>
-            <a:pPr marL="432000" indent="-322560">
+            <a:pPr marL="432000" indent="-322200">
               <a:lnSpc>
                 <a:spcPct val="100000"/>
               </a:lnSpc>
@@ -5838,7 +6067,7 @@
         <p:spPr>
           <a:xfrm>
             <a:off x="599040" y="121320"/>
-            <a:ext cx="10797120" cy="1260720"/>
+            <a:ext cx="10796760" cy="1260360"/>
           </a:xfrm>
           <a:prstGeom prst="rect">
             <a:avLst/>
@@ -5889,7 +6118,7 @@
         <p:spPr>
           <a:xfrm>
             <a:off x="599040" y="1920240"/>
-            <a:ext cx="10738080" cy="4662000"/>
+            <a:ext cx="10737720" cy="4661640"/>
           </a:xfrm>
           <a:prstGeom prst="rect">
             <a:avLst/>
@@ -5910,7 +6139,7 @@
             <a:normAutofit fontScale="61000"/>
           </a:bodyPr>
           <a:p>
-            <a:pPr marL="432000" indent="-322560">
+            <a:pPr marL="432000" indent="-322200">
               <a:lnSpc>
                 <a:spcPct val="100000"/>
               </a:lnSpc>
@@ -5949,7 +6178,7 @@
             </a:endParaRPr>
           </a:p>
           <a:p>
-            <a:pPr marL="432000" indent="-322560">
+            <a:pPr marL="432000" indent="-322200">
               <a:lnSpc>
                 <a:spcPct val="100000"/>
               </a:lnSpc>
@@ -5988,7 +6217,7 @@
             </a:endParaRPr>
           </a:p>
           <a:p>
-            <a:pPr marL="432000" indent="-322560">
+            <a:pPr marL="432000" indent="-322200">
               <a:lnSpc>
                 <a:spcPct val="100000"/>
               </a:lnSpc>
@@ -6023,23 +6252,24 @@
               <a:t> — хранилище собранных образов для контейнеров (например, </a:t>
             </a:r>
             <a:r>
+              <a:rPr b="0" lang="ru-RU" sz="3200" spc="-1" strike="noStrike" u="sng">
+                <a:solidFill>
+                  <a:srgbClr val="0000ff"/>
+                </a:solidFill>
+                <a:uFillTx/>
+                <a:latin typeface="Source Sans Pro"/>
+                <a:ea typeface="DejaVu Sans"/>
+                <a:hlinkClick r:id="rId1"/>
+              </a:rPr>
+              <a:t>https://hub.docker.com/</a:t>
+            </a:r>
+            <a:r>
               <a:rPr b="0" lang="ru-RU" sz="3200" spc="-1" strike="noStrike">
                 <a:solidFill>
                   <a:srgbClr val="000000"/>
                 </a:solidFill>
                 <a:latin typeface="Source Sans Pro"/>
                 <a:ea typeface="DejaVu Sans"/>
-                <a:hlinkClick r:id="rId1"/>
-              </a:rPr>
-              <a:t>https://hub.docker.com/</a:t>
-            </a:r>
-            <a:r>
-              <a:rPr b="0" lang="ru-RU" sz="3200" spc="-1" strike="noStrike">
-                <a:solidFill>
-                  <a:srgbClr val="000000"/>
-                </a:solidFill>
-                <a:latin typeface="Source Sans Pro"/>
-                <a:ea typeface="DejaVu Sans"/>
               </a:rPr>
               <a:t>)</a:t>
             </a:r>
@@ -6048,7 +6278,7 @@
             </a:endParaRPr>
           </a:p>
           <a:p>
-            <a:pPr marL="432000" indent="-322560">
+            <a:pPr marL="432000" indent="-322200">
               <a:lnSpc>
                 <a:spcPct val="100000"/>
               </a:lnSpc>
@@ -6087,7 +6317,7 @@
             </a:endParaRPr>
           </a:p>
           <a:p>
-            <a:pPr marL="432000" indent="-322560">
+            <a:pPr marL="432000" indent="-322200">
               <a:lnSpc>
                 <a:spcPct val="100000"/>
               </a:lnSpc>
@@ -6166,7 +6396,7 @@
         <p:spPr>
           <a:xfrm>
             <a:off x="599040" y="121320"/>
-            <a:ext cx="10797120" cy="1260720"/>
+            <a:ext cx="10796760" cy="1260360"/>
           </a:xfrm>
           <a:prstGeom prst="rect">
             <a:avLst/>
@@ -6217,7 +6447,7 @@
         <p:spPr>
           <a:xfrm>
             <a:off x="599040" y="1920240"/>
-            <a:ext cx="10738080" cy="4662000"/>
+            <a:ext cx="10737720" cy="4661640"/>
           </a:xfrm>
           <a:prstGeom prst="rect">
             <a:avLst/>
@@ -6238,7 +6468,7 @@
             <a:normAutofit fontScale="90000"/>
           </a:bodyPr>
           <a:p>
-            <a:pPr marL="432000" indent="-322560">
+            <a:pPr marL="432000" indent="-322200">
               <a:lnSpc>
                 <a:spcPct val="100000"/>
               </a:lnSpc>
@@ -6272,12 +6502,12 @@
               </a:rPr>
               <a:t> — запускает выбранный образ в отдельном экземпляре;</a:t>
             </a:r>
-            <a:endParaRPr b="1" lang="ru-RU" sz="3200" spc="-1" strike="noStrike">
-              <a:latin typeface="Arial"/>
-            </a:endParaRPr>
-          </a:p>
-          <a:p>
-            <a:pPr marL="432000" indent="-322560">
+            <a:endParaRPr b="0" lang="ru-RU" sz="3200" spc="-1" strike="noStrike">
+              <a:latin typeface="Arial"/>
+            </a:endParaRPr>
+          </a:p>
+          <a:p>
+            <a:pPr marL="432000" indent="-322200">
               <a:lnSpc>
                 <a:spcPct val="100000"/>
               </a:lnSpc>
@@ -6331,12 +6561,12 @@
               </a:rPr>
               <a:t>приложение для выполнения docker-compose.yml (YAML-файла) содержащего инструкции по запуску группы контейнеров с большими возможностями по их настройке;</a:t>
             </a:r>
-            <a:endParaRPr b="1" lang="ru-RU" sz="3200" spc="-1" strike="noStrike">
-              <a:latin typeface="Arial"/>
-            </a:endParaRPr>
-          </a:p>
-          <a:p>
-            <a:pPr marL="432000" indent="-322560">
+            <a:endParaRPr b="0" lang="ru-RU" sz="3200" spc="-1" strike="noStrike">
+              <a:latin typeface="Arial"/>
+            </a:endParaRPr>
+          </a:p>
+          <a:p>
+            <a:pPr marL="432000" indent="-322200">
               <a:lnSpc>
                 <a:spcPct val="100000"/>
               </a:lnSpc>
@@ -6370,7 +6600,7 @@
               </a:rPr>
               <a:t> (и подобные ему системы) — оркестраторы, позволяющие настраивать правила запуска и отключения контейнеров из образов (и много чего еще); </a:t>
             </a:r>
-            <a:endParaRPr b="1" lang="ru-RU" sz="3200" spc="-1" strike="noStrike">
+            <a:endParaRPr b="0" lang="ru-RU" sz="3200" spc="-1" strike="noStrike">
               <a:latin typeface="Arial"/>
             </a:endParaRPr>
           </a:p>
@@ -6415,7 +6645,7 @@
         <p:spPr>
           <a:xfrm>
             <a:off x="599040" y="121320"/>
-            <a:ext cx="10797120" cy="1260720"/>
+            <a:ext cx="10796760" cy="1260360"/>
           </a:xfrm>
           <a:prstGeom prst="rect">
             <a:avLst/>
@@ -6466,7 +6696,7 @@
         <p:spPr>
           <a:xfrm>
             <a:off x="599040" y="1920240"/>
-            <a:ext cx="10738080" cy="4662000"/>
+            <a:ext cx="10737720" cy="4661640"/>
           </a:xfrm>
           <a:prstGeom prst="rect">
             <a:avLst/>
@@ -6487,7 +6717,7 @@
             <a:normAutofit fontScale="27000"/>
           </a:bodyPr>
           <a:p>
-            <a:pPr marL="432000" indent="-322560">
+            <a:pPr marL="432000" indent="-322200">
               <a:lnSpc>
                 <a:spcPct val="100000"/>
               </a:lnSpc>
@@ -6516,7 +6746,7 @@
             </a:endParaRPr>
           </a:p>
           <a:p>
-            <a:pPr marL="432000" indent="-322560">
+            <a:pPr marL="432000" indent="-322200">
               <a:lnSpc>
                 <a:spcPct val="100000"/>
               </a:lnSpc>
@@ -6545,7 +6775,7 @@
             </a:endParaRPr>
           </a:p>
           <a:p>
-            <a:pPr marL="432000" indent="-322560">
+            <a:pPr marL="432000" indent="-322200">
               <a:lnSpc>
                 <a:spcPct val="100000"/>
               </a:lnSpc>
@@ -6574,7 +6804,7 @@
             </a:endParaRPr>
           </a:p>
           <a:p>
-            <a:pPr marL="432000" indent="-322560">
+            <a:pPr marL="432000" indent="-322200">
               <a:lnSpc>
                 <a:spcPct val="100000"/>
               </a:lnSpc>
@@ -6781,7 +7011,7 @@
         <p:spPr>
           <a:xfrm>
             <a:off x="599040" y="121320"/>
-            <a:ext cx="10797120" cy="1260720"/>
+            <a:ext cx="10796760" cy="1260360"/>
           </a:xfrm>
           <a:prstGeom prst="rect">
             <a:avLst/>
@@ -6836,7 +7066,7 @@
         <p:spPr>
           <a:xfrm>
             <a:off x="3881880" y="1646280"/>
-            <a:ext cx="4038120" cy="5409720"/>
+            <a:ext cx="4037760" cy="5409360"/>
           </a:xfrm>
           <a:prstGeom prst="rect">
             <a:avLst/>
@@ -6885,7 +7115,7 @@
         <p:spPr>
           <a:xfrm>
             <a:off x="599040" y="121320"/>
-            <a:ext cx="10797120" cy="1260720"/>
+            <a:ext cx="10796760" cy="1260360"/>
           </a:xfrm>
           <a:prstGeom prst="rect">
             <a:avLst/>
@@ -6936,7 +7166,7 @@
         <p:spPr>
           <a:xfrm>
             <a:off x="599040" y="1920240"/>
-            <a:ext cx="10738080" cy="4662000"/>
+            <a:ext cx="10737720" cy="4661640"/>
           </a:xfrm>
           <a:prstGeom prst="rect">
             <a:avLst/>
@@ -6957,7 +7187,7 @@
             <a:normAutofit fontScale="67000"/>
           </a:bodyPr>
           <a:p>
-            <a:pPr marL="432000" indent="-322560">
+            <a:pPr marL="432000" indent="-322200">
               <a:lnSpc>
                 <a:spcPct val="100000"/>
               </a:lnSpc>
@@ -6986,7 +7216,7 @@
             </a:endParaRPr>
           </a:p>
           <a:p>
-            <a:pPr marL="432000" indent="-322560">
+            <a:pPr marL="432000" indent="-322200">
               <a:lnSpc>
                 <a:spcPct val="100000"/>
               </a:lnSpc>
@@ -7015,7 +7245,7 @@
             </a:endParaRPr>
           </a:p>
           <a:p>
-            <a:pPr marL="432000" indent="-322560">
+            <a:pPr marL="432000" indent="-322200">
               <a:lnSpc>
                 <a:spcPct val="100000"/>
               </a:lnSpc>
@@ -7044,7 +7274,7 @@
             </a:endParaRPr>
           </a:p>
           <a:p>
-            <a:pPr marL="432000" indent="-322560">
+            <a:pPr marL="432000" indent="-322200">
               <a:lnSpc>
                 <a:spcPct val="100000"/>
               </a:lnSpc>
@@ -7073,7 +7303,7 @@
             </a:endParaRPr>
           </a:p>
           <a:p>
-            <a:pPr marL="432000" indent="-322560">
+            <a:pPr marL="432000" indent="-322200">
               <a:lnSpc>
                 <a:spcPct val="100000"/>
               </a:lnSpc>
@@ -7102,7 +7332,7 @@
             </a:endParaRPr>
           </a:p>
           <a:p>
-            <a:pPr marL="432000" indent="-322560">
+            <a:pPr marL="432000" indent="-322200">
               <a:lnSpc>
                 <a:spcPct val="100000"/>
               </a:lnSpc>
